--- a/Kalman_Filter_and_AS_MM_model.pptx
+++ b/Kalman_Filter_and_AS_MM_model.pptx
@@ -117,6 +117,11 @@
       </a:defRPr>
     </a:lvl9pPr>
   </p:defaultTextStyle>
+  <p:extLst>
+    <p:ext uri="{EFAFB233-063F-42B5-8137-9DF3F51BA10A}">
+      <p15:sldGuideLst xmlns:p15="http://schemas.microsoft.com/office/powerpoint/2012/main"/>
+    </p:ext>
+  </p:extLst>
 </p:presentation>
 </file>
 
@@ -11876,7 +11881,7 @@
           <a:p>
             <a:fld id="{8EE77490-1724-894E-ACE5-CF78990DB94E}" type="datetimeFigureOut">
               <a:rPr lang="en-US" smtClean="0"/>
-              <a:t>7/27/23</a:t>
+              <a:t>7/29/23</a:t>
             </a:fld>
             <a:endParaRPr lang="en-US"/>
           </a:p>
@@ -12076,7 +12081,7 @@
           <a:p>
             <a:fld id="{8EE77490-1724-894E-ACE5-CF78990DB94E}" type="datetimeFigureOut">
               <a:rPr lang="en-US" smtClean="0"/>
-              <a:t>7/27/23</a:t>
+              <a:t>7/29/23</a:t>
             </a:fld>
             <a:endParaRPr lang="en-US"/>
           </a:p>
@@ -12286,7 +12291,7 @@
           <a:p>
             <a:fld id="{8EE77490-1724-894E-ACE5-CF78990DB94E}" type="datetimeFigureOut">
               <a:rPr lang="en-US" smtClean="0"/>
-              <a:t>7/27/23</a:t>
+              <a:t>7/29/23</a:t>
             </a:fld>
             <a:endParaRPr lang="en-US"/>
           </a:p>
@@ -12486,7 +12491,7 @@
           <a:p>
             <a:fld id="{8EE77490-1724-894E-ACE5-CF78990DB94E}" type="datetimeFigureOut">
               <a:rPr lang="en-US" smtClean="0"/>
-              <a:t>7/27/23</a:t>
+              <a:t>7/29/23</a:t>
             </a:fld>
             <a:endParaRPr lang="en-US"/>
           </a:p>
@@ -12762,7 +12767,7 @@
           <a:p>
             <a:fld id="{8EE77490-1724-894E-ACE5-CF78990DB94E}" type="datetimeFigureOut">
               <a:rPr lang="en-US" smtClean="0"/>
-              <a:t>7/27/23</a:t>
+              <a:t>7/29/23</a:t>
             </a:fld>
             <a:endParaRPr lang="en-US"/>
           </a:p>
@@ -13030,7 +13035,7 @@
           <a:p>
             <a:fld id="{8EE77490-1724-894E-ACE5-CF78990DB94E}" type="datetimeFigureOut">
               <a:rPr lang="en-US" smtClean="0"/>
-              <a:t>7/27/23</a:t>
+              <a:t>7/29/23</a:t>
             </a:fld>
             <a:endParaRPr lang="en-US"/>
           </a:p>
@@ -13445,7 +13450,7 @@
           <a:p>
             <a:fld id="{8EE77490-1724-894E-ACE5-CF78990DB94E}" type="datetimeFigureOut">
               <a:rPr lang="en-US" smtClean="0"/>
-              <a:t>7/27/23</a:t>
+              <a:t>7/29/23</a:t>
             </a:fld>
             <a:endParaRPr lang="en-US"/>
           </a:p>
@@ -13587,7 +13592,7 @@
           <a:p>
             <a:fld id="{8EE77490-1724-894E-ACE5-CF78990DB94E}" type="datetimeFigureOut">
               <a:rPr lang="en-US" smtClean="0"/>
-              <a:t>7/27/23</a:t>
+              <a:t>7/29/23</a:t>
             </a:fld>
             <a:endParaRPr lang="en-US"/>
           </a:p>
@@ -13700,7 +13705,7 @@
           <a:p>
             <a:fld id="{8EE77490-1724-894E-ACE5-CF78990DB94E}" type="datetimeFigureOut">
               <a:rPr lang="en-US" smtClean="0"/>
-              <a:t>7/27/23</a:t>
+              <a:t>7/29/23</a:t>
             </a:fld>
             <a:endParaRPr lang="en-US"/>
           </a:p>
@@ -14013,7 +14018,7 @@
           <a:p>
             <a:fld id="{8EE77490-1724-894E-ACE5-CF78990DB94E}" type="datetimeFigureOut">
               <a:rPr lang="en-US" smtClean="0"/>
-              <a:t>7/27/23</a:t>
+              <a:t>7/29/23</a:t>
             </a:fld>
             <a:endParaRPr lang="en-US"/>
           </a:p>
@@ -14302,7 +14307,7 @@
           <a:p>
             <a:fld id="{8EE77490-1724-894E-ACE5-CF78990DB94E}" type="datetimeFigureOut">
               <a:rPr lang="en-US" smtClean="0"/>
-              <a:t>7/27/23</a:t>
+              <a:t>7/29/23</a:t>
             </a:fld>
             <a:endParaRPr lang="en-US"/>
           </a:p>
@@ -14545,7 +14550,7 @@
           <a:p>
             <a:fld id="{8EE77490-1724-894E-ACE5-CF78990DB94E}" type="datetimeFigureOut">
               <a:rPr lang="en-US" smtClean="0"/>
-              <a:t>7/27/23</a:t>
+              <a:t>7/29/23</a:t>
             </a:fld>
             <a:endParaRPr lang="en-US"/>
           </a:p>
@@ -14978,16 +14983,20 @@
             <p:ph type="ctrTitle"/>
           </p:nvPr>
         </p:nvSpPr>
-        <p:spPr/>
+        <p:spPr>
+          <a:xfrm>
+            <a:off x="1524000" y="1784515"/>
+            <a:ext cx="9144000" cy="2387600"/>
+          </a:xfrm>
+        </p:spPr>
         <p:txBody>
           <a:bodyPr/>
           <a:lstStyle/>
           <a:p>
             <a:r>
-              <a:rPr lang="en-US"/>
+              <a:rPr lang="en-US" dirty="0"/>
               <a:t>Kalman Filter</a:t>
             </a:r>
-            <a:endParaRPr lang="en-US" dirty="0"/>
           </a:p>
         </p:txBody>
       </p:sp>
@@ -15039,11 +15048,16 @@
         </p:nvSpPr>
         <p:spPr/>
         <p:txBody>
-          <a:bodyPr/>
+          <a:bodyPr>
+            <a:normAutofit/>
+          </a:bodyPr>
           <a:lstStyle/>
           <a:p>
             <a:r>
-              <a:rPr lang="en-US" dirty="0"/>
+              <a:rPr lang="en-US" dirty="0">
+                <a:latin typeface="Arial" panose="020B0604020202020204" pitchFamily="34" charset="0"/>
+                <a:cs typeface="Arial" panose="020B0604020202020204" pitchFamily="34" charset="0"/>
+              </a:rPr>
               <a:t>Reservation price</a:t>
             </a:r>
           </a:p>
@@ -15324,11 +15338,16 @@
         </p:nvSpPr>
         <p:spPr/>
         <p:txBody>
-          <a:bodyPr/>
+          <a:bodyPr>
+            <a:normAutofit/>
+          </a:bodyPr>
           <a:lstStyle/>
           <a:p>
             <a:r>
-              <a:rPr lang="en-US" dirty="0"/>
+              <a:rPr lang="en-US" dirty="0">
+                <a:latin typeface="Arial" panose="020B0604020202020204" pitchFamily="34" charset="0"/>
+                <a:cs typeface="Arial" panose="020B0604020202020204" pitchFamily="34" charset="0"/>
+              </a:rPr>
               <a:t>Optimal Spread</a:t>
             </a:r>
           </a:p>
@@ -15756,6 +15775,11 @@
 <file path=ppt/slides/slide3.xml><?xml version="1.0" encoding="utf-8"?>
 <p:sld xmlns:a="http://schemas.openxmlformats.org/drawingml/2006/main" xmlns:r="http://schemas.openxmlformats.org/officeDocument/2006/relationships" xmlns:p="http://schemas.openxmlformats.org/presentationml/2006/main">
   <p:cSld>
+    <p:bg>
+      <p:bgRef idx="1001">
+        <a:schemeClr val="bg1"/>
+      </p:bgRef>
+    </p:bg>
     <p:spTree>
       <p:nvGrpSpPr>
         <p:cNvPr id="1" name=""/>
@@ -15788,11 +15812,16 @@
         </p:nvSpPr>
         <p:spPr/>
         <p:txBody>
-          <a:bodyPr/>
+          <a:bodyPr>
+            <a:normAutofit/>
+          </a:bodyPr>
           <a:lstStyle/>
           <a:p>
             <a:r>
-              <a:rPr lang="en-US" dirty="0"/>
+              <a:rPr lang="en-US" dirty="0">
+                <a:latin typeface="Arial" panose="020B0604020202020204" pitchFamily="34" charset="0"/>
+                <a:cs typeface="Arial" panose="020B0604020202020204" pitchFamily="34" charset="0"/>
+              </a:rPr>
               <a:t>State Transition Equation</a:t>
             </a:r>
           </a:p>
@@ -15947,7 +15976,7 @@
     </p:extLst>
   </p:cSld>
   <p:clrMapOvr>
-    <a:masterClrMapping/>
+    <a:overrideClrMapping bg1="lt1" tx1="dk1" bg2="lt2" tx2="dk2" accent1="accent1" accent2="accent2" accent3="accent3" accent4="accent4" accent5="accent5" accent6="accent6" hlink="hlink" folHlink="folHlink"/>
   </p:clrMapOvr>
 </p:sld>
 </file>
@@ -15993,7 +16022,10 @@
           <a:lstStyle/>
           <a:p>
             <a:r>
-              <a:rPr lang="en-US" dirty="0"/>
+              <a:rPr lang="en-US" dirty="0">
+                <a:latin typeface="Arial" panose="020B0604020202020204" pitchFamily="34" charset="0"/>
+                <a:cs typeface="Arial" panose="020B0604020202020204" pitchFamily="34" charset="0"/>
+              </a:rPr>
               <a:t>Measurement (Observation) Equation</a:t>
             </a:r>
           </a:p>
@@ -16212,7 +16244,10 @@
           <a:lstStyle/>
           <a:p>
             <a:r>
-              <a:rPr lang="en-US" dirty="0"/>
+              <a:rPr lang="en-US" dirty="0">
+                <a:latin typeface="Arial" panose="020B0604020202020204" pitchFamily="34" charset="0"/>
+                <a:cs typeface="Arial" panose="020B0604020202020204" pitchFamily="34" charset="0"/>
+              </a:rPr>
               <a:t>State Update Equation</a:t>
             </a:r>
           </a:p>
@@ -16481,7 +16516,10 @@
           <a:lstStyle/>
           <a:p>
             <a:r>
-              <a:rPr lang="en-US" dirty="0"/>
+              <a:rPr lang="en-US" dirty="0">
+                <a:latin typeface="Arial" panose="020B0604020202020204" pitchFamily="34" charset="0"/>
+                <a:cs typeface="Arial" panose="020B0604020202020204" pitchFamily="34" charset="0"/>
+              </a:rPr>
               <a:t>Optimal Kalman Gain K(t)</a:t>
             </a:r>
           </a:p>
@@ -16754,13 +16792,23 @@
             <p:ph type="title"/>
           </p:nvPr>
         </p:nvSpPr>
-        <p:spPr/>
+        <p:spPr>
+          <a:xfrm>
+            <a:off x="838199" y="365125"/>
+            <a:ext cx="10812517" cy="1325563"/>
+          </a:xfrm>
+        </p:spPr>
         <p:txBody>
-          <a:bodyPr/>
+          <a:bodyPr>
+            <a:normAutofit/>
+          </a:bodyPr>
           <a:lstStyle/>
           <a:p>
             <a:r>
-              <a:rPr lang="en-US" dirty="0"/>
+              <a:rPr lang="en-US" dirty="0">
+                <a:latin typeface="Arial" panose="020B0604020202020204" pitchFamily="34" charset="0"/>
+                <a:cs typeface="Arial" panose="020B0604020202020204" pitchFamily="34" charset="0"/>
+              </a:rPr>
               <a:t>Actual Mid Prices VS Kalman Filter Prices</a:t>
             </a:r>
           </a:p>
@@ -16844,7 +16892,12 @@
             <p:ph type="ctrTitle"/>
           </p:nvPr>
         </p:nvSpPr>
-        <p:spPr/>
+        <p:spPr>
+          <a:xfrm>
+            <a:off x="1524000" y="1910639"/>
+            <a:ext cx="9144000" cy="2387600"/>
+          </a:xfrm>
+        </p:spPr>
         <p:txBody>
           <a:bodyPr/>
           <a:lstStyle/>
@@ -16916,15 +16969,24 @@
           <a:lstStyle/>
           <a:p>
             <a:r>
-              <a:rPr lang="en-US" dirty="0"/>
+              <a:rPr lang="en-US" dirty="0">
+                <a:latin typeface="Arial" panose="020B0604020202020204" pitchFamily="34" charset="0"/>
+                <a:cs typeface="Arial" panose="020B0604020202020204" pitchFamily="34" charset="0"/>
+              </a:rPr>
               <a:t>Avellaneda and </a:t>
             </a:r>
             <a:r>
-              <a:rPr lang="en-US" dirty="0" err="1"/>
+              <a:rPr lang="en-US" dirty="0" err="1">
+                <a:latin typeface="Arial" panose="020B0604020202020204" pitchFamily="34" charset="0"/>
+                <a:cs typeface="Arial" panose="020B0604020202020204" pitchFamily="34" charset="0"/>
+              </a:rPr>
               <a:t>Stoikov’s</a:t>
             </a:r>
             <a:r>
-              <a:rPr lang="en-US" dirty="0"/>
+              <a:rPr lang="en-US" dirty="0">
+                <a:latin typeface="Arial" panose="020B0604020202020204" pitchFamily="34" charset="0"/>
+                <a:cs typeface="Arial" panose="020B0604020202020204" pitchFamily="34" charset="0"/>
+              </a:rPr>
               <a:t> Strategy</a:t>
             </a:r>
           </a:p>
@@ -17787,4 +17849,47 @@
     </a:ext>
   </a:extLst>
 </a:theme>
+</file>
+
+<file path=ppt/theme/themeOverride1.xml><?xml version="1.0" encoding="utf-8"?>
+<a:themeOverride xmlns:a="http://schemas.openxmlformats.org/drawingml/2006/main">
+  <a:clrScheme name="Office">
+    <a:dk1>
+      <a:sysClr val="windowText" lastClr="000000"/>
+    </a:dk1>
+    <a:lt1>
+      <a:sysClr val="window" lastClr="FFFFFF"/>
+    </a:lt1>
+    <a:dk2>
+      <a:srgbClr val="44546A"/>
+    </a:dk2>
+    <a:lt2>
+      <a:srgbClr val="E7E6E6"/>
+    </a:lt2>
+    <a:accent1>
+      <a:srgbClr val="4472C4"/>
+    </a:accent1>
+    <a:accent2>
+      <a:srgbClr val="ED7D31"/>
+    </a:accent2>
+    <a:accent3>
+      <a:srgbClr val="A5A5A5"/>
+    </a:accent3>
+    <a:accent4>
+      <a:srgbClr val="FFC000"/>
+    </a:accent4>
+    <a:accent5>
+      <a:srgbClr val="5B9BD5"/>
+    </a:accent5>
+    <a:accent6>
+      <a:srgbClr val="70AD47"/>
+    </a:accent6>
+    <a:hlink>
+      <a:srgbClr val="0563C1"/>
+    </a:hlink>
+    <a:folHlink>
+      <a:srgbClr val="954F72"/>
+    </a:folHlink>
+  </a:clrScheme>
+</a:themeOverride>
 </file>